--- a/BestBuy.pptx
+++ b/BestBuy.pptx
@@ -114,6 +114,11 @@
       </a:defRPr>
     </a:lvl9pPr>
   </p:defaultTextStyle>
+  <p:extLst>
+    <p:ext uri="{EFAFB233-063F-42B5-8137-9DF3F51BA10A}">
+      <p15:sldGuideLst xmlns:p15="http://schemas.microsoft.com/office/powerpoint/2012/main"/>
+    </p:ext>
+  </p:extLst>
 </p:presentation>
 </file>
 
@@ -199,7 +204,7 @@
           <a:p>
             <a:fld id="{28E8C820-0967-E846-BA81-8967F2F7163D}" type="datetimeFigureOut">
               <a:rPr lang="en-US" smtClean="0"/>
-              <a:t>6/14/23</a:t>
+              <a:t>6/15/23</a:t>
             </a:fld>
             <a:endParaRPr lang="en-US"/>
           </a:p>
@@ -708,7 +713,7 @@
           <a:p>
             <a:fld id="{E0703A55-4804-C745-AE9A-57701EF14D3E}" type="datetimeFigureOut">
               <a:rPr lang="en-US" smtClean="0"/>
-              <a:t>6/14/23</a:t>
+              <a:t>6/15/23</a:t>
             </a:fld>
             <a:endParaRPr lang="en-US"/>
           </a:p>
@@ -766,13 +771,13 @@
   <p:clrMapOvr>
     <a:masterClrMapping/>
   </p:clrMapOvr>
-  <mc:AlternateContent xmlns:mc="http://schemas.openxmlformats.org/markup-compatibility/2006">
-    <mc:Choice xmlns:p159="http://schemas.microsoft.com/office/powerpoint/2015/09/main" Requires="p159">
+  <mc:AlternateContent xmlns:mc="http://schemas.openxmlformats.org/markup-compatibility/2006" xmlns:p159="http://schemas.microsoft.com/office/powerpoint/2015/09/main">
+    <mc:Choice Requires="p159">
       <p:transition xmlns:p14="http://schemas.microsoft.com/office/powerpoint/2010/main" spd="slow" p14:dur="2000">
         <p159:morph option="byObject"/>
       </p:transition>
     </mc:Choice>
-    <mc:Fallback>
+    <mc:Fallback xmlns="">
       <p:transition spd="slow">
         <p:fade/>
       </p:transition>
@@ -890,7 +895,7 @@
           <a:p>
             <a:fld id="{E0703A55-4804-C745-AE9A-57701EF14D3E}" type="datetimeFigureOut">
               <a:rPr lang="en-US" smtClean="0"/>
-              <a:t>6/14/23</a:t>
+              <a:t>6/15/23</a:t>
             </a:fld>
             <a:endParaRPr lang="en-US"/>
           </a:p>
@@ -948,13 +953,13 @@
   <p:clrMapOvr>
     <a:masterClrMapping/>
   </p:clrMapOvr>
-  <mc:AlternateContent xmlns:mc="http://schemas.openxmlformats.org/markup-compatibility/2006">
-    <mc:Choice xmlns:p159="http://schemas.microsoft.com/office/powerpoint/2015/09/main" Requires="p159">
+  <mc:AlternateContent xmlns:mc="http://schemas.openxmlformats.org/markup-compatibility/2006" xmlns:p159="http://schemas.microsoft.com/office/powerpoint/2015/09/main">
+    <mc:Choice Requires="p159">
       <p:transition xmlns:p14="http://schemas.microsoft.com/office/powerpoint/2010/main" spd="slow" p14:dur="2000">
         <p159:morph option="byObject"/>
       </p:transition>
     </mc:Choice>
-    <mc:Fallback>
+    <mc:Fallback xmlns="">
       <p:transition spd="slow">
         <p:fade/>
       </p:transition>
@@ -1082,7 +1087,7 @@
           <a:p>
             <a:fld id="{E0703A55-4804-C745-AE9A-57701EF14D3E}" type="datetimeFigureOut">
               <a:rPr lang="en-US" smtClean="0"/>
-              <a:t>6/14/23</a:t>
+              <a:t>6/15/23</a:t>
             </a:fld>
             <a:endParaRPr lang="en-US"/>
           </a:p>
@@ -1140,13 +1145,13 @@
   <p:clrMapOvr>
     <a:masterClrMapping/>
   </p:clrMapOvr>
-  <mc:AlternateContent xmlns:mc="http://schemas.openxmlformats.org/markup-compatibility/2006">
-    <mc:Choice xmlns:p159="http://schemas.microsoft.com/office/powerpoint/2015/09/main" Requires="p159">
+  <mc:AlternateContent xmlns:mc="http://schemas.openxmlformats.org/markup-compatibility/2006" xmlns:p159="http://schemas.microsoft.com/office/powerpoint/2015/09/main">
+    <mc:Choice Requires="p159">
       <p:transition xmlns:p14="http://schemas.microsoft.com/office/powerpoint/2010/main" spd="slow" p14:dur="2000">
         <p159:morph option="byObject"/>
       </p:transition>
     </mc:Choice>
-    <mc:Fallback>
+    <mc:Fallback xmlns="">
       <p:transition spd="slow">
         <p:fade/>
       </p:transition>
@@ -1264,7 +1269,7 @@
           <a:p>
             <a:fld id="{E0703A55-4804-C745-AE9A-57701EF14D3E}" type="datetimeFigureOut">
               <a:rPr lang="en-US" smtClean="0"/>
-              <a:t>6/14/23</a:t>
+              <a:t>6/15/23</a:t>
             </a:fld>
             <a:endParaRPr lang="en-US"/>
           </a:p>
@@ -1322,13 +1327,13 @@
   <p:clrMapOvr>
     <a:masterClrMapping/>
   </p:clrMapOvr>
-  <mc:AlternateContent xmlns:mc="http://schemas.openxmlformats.org/markup-compatibility/2006">
-    <mc:Choice xmlns:p159="http://schemas.microsoft.com/office/powerpoint/2015/09/main" Requires="p159">
+  <mc:AlternateContent xmlns:mc="http://schemas.openxmlformats.org/markup-compatibility/2006" xmlns:p159="http://schemas.microsoft.com/office/powerpoint/2015/09/main">
+    <mc:Choice Requires="p159">
       <p:transition xmlns:p14="http://schemas.microsoft.com/office/powerpoint/2010/main" spd="slow" p14:dur="2000">
         <p159:morph option="byObject"/>
       </p:transition>
     </mc:Choice>
-    <mc:Fallback>
+    <mc:Fallback xmlns="">
       <p:transition spd="slow">
         <p:fade/>
       </p:transition>
@@ -1536,7 +1541,7 @@
           <a:p>
             <a:fld id="{E0703A55-4804-C745-AE9A-57701EF14D3E}" type="datetimeFigureOut">
               <a:rPr lang="en-US" smtClean="0"/>
-              <a:t>6/14/23</a:t>
+              <a:t>6/15/23</a:t>
             </a:fld>
             <a:endParaRPr lang="en-US"/>
           </a:p>
@@ -1594,13 +1599,13 @@
   <p:clrMapOvr>
     <a:masterClrMapping/>
   </p:clrMapOvr>
-  <mc:AlternateContent xmlns:mc="http://schemas.openxmlformats.org/markup-compatibility/2006">
-    <mc:Choice xmlns:p159="http://schemas.microsoft.com/office/powerpoint/2015/09/main" Requires="p159">
+  <mc:AlternateContent xmlns:mc="http://schemas.openxmlformats.org/markup-compatibility/2006" xmlns:p159="http://schemas.microsoft.com/office/powerpoint/2015/09/main">
+    <mc:Choice Requires="p159">
       <p:transition xmlns:p14="http://schemas.microsoft.com/office/powerpoint/2010/main" spd="slow" p14:dur="2000">
         <p159:morph option="byObject"/>
       </p:transition>
     </mc:Choice>
-    <mc:Fallback>
+    <mc:Fallback xmlns="">
       <p:transition spd="slow">
         <p:fade/>
       </p:transition>
@@ -1780,7 +1785,7 @@
           <a:p>
             <a:fld id="{E0703A55-4804-C745-AE9A-57701EF14D3E}" type="datetimeFigureOut">
               <a:rPr lang="en-US" smtClean="0"/>
-              <a:t>6/14/23</a:t>
+              <a:t>6/15/23</a:t>
             </a:fld>
             <a:endParaRPr lang="en-US"/>
           </a:p>
@@ -1838,13 +1843,13 @@
   <p:clrMapOvr>
     <a:masterClrMapping/>
   </p:clrMapOvr>
-  <mc:AlternateContent xmlns:mc="http://schemas.openxmlformats.org/markup-compatibility/2006">
-    <mc:Choice xmlns:p159="http://schemas.microsoft.com/office/powerpoint/2015/09/main" Requires="p159">
+  <mc:AlternateContent xmlns:mc="http://schemas.openxmlformats.org/markup-compatibility/2006" xmlns:p159="http://schemas.microsoft.com/office/powerpoint/2015/09/main">
+    <mc:Choice Requires="p159">
       <p:transition xmlns:p14="http://schemas.microsoft.com/office/powerpoint/2010/main" spd="slow" p14:dur="2000">
         <p159:morph option="byObject"/>
       </p:transition>
     </mc:Choice>
-    <mc:Fallback>
+    <mc:Fallback xmlns="">
       <p:transition spd="slow">
         <p:fade/>
       </p:transition>
@@ -2147,7 +2152,7 @@
           <a:p>
             <a:fld id="{E0703A55-4804-C745-AE9A-57701EF14D3E}" type="datetimeFigureOut">
               <a:rPr lang="en-US" smtClean="0"/>
-              <a:t>6/14/23</a:t>
+              <a:t>6/15/23</a:t>
             </a:fld>
             <a:endParaRPr lang="en-US"/>
           </a:p>
@@ -2228,13 +2233,13 @@
   <p:clrMapOvr>
     <a:masterClrMapping/>
   </p:clrMapOvr>
-  <mc:AlternateContent xmlns:mc="http://schemas.openxmlformats.org/markup-compatibility/2006">
-    <mc:Choice xmlns:p159="http://schemas.microsoft.com/office/powerpoint/2015/09/main" Requires="p159">
+  <mc:AlternateContent xmlns:mc="http://schemas.openxmlformats.org/markup-compatibility/2006" xmlns:p159="http://schemas.microsoft.com/office/powerpoint/2015/09/main">
+    <mc:Choice Requires="p159">
       <p:transition xmlns:p14="http://schemas.microsoft.com/office/powerpoint/2010/main" spd="slow" p14:dur="2000">
         <p159:morph option="byObject"/>
       </p:transition>
     </mc:Choice>
-    <mc:Fallback>
+    <mc:Fallback xmlns="">
       <p:transition spd="slow">
         <p:fade/>
       </p:transition>
@@ -2300,7 +2305,7 @@
           <a:p>
             <a:fld id="{E0703A55-4804-C745-AE9A-57701EF14D3E}" type="datetimeFigureOut">
               <a:rPr lang="en-US" smtClean="0"/>
-              <a:t>6/14/23</a:t>
+              <a:t>6/15/23</a:t>
             </a:fld>
             <a:endParaRPr lang="en-US"/>
           </a:p>
@@ -2358,13 +2363,13 @@
   <p:clrMapOvr>
     <a:masterClrMapping/>
   </p:clrMapOvr>
-  <mc:AlternateContent xmlns:mc="http://schemas.openxmlformats.org/markup-compatibility/2006">
-    <mc:Choice xmlns:p159="http://schemas.microsoft.com/office/powerpoint/2015/09/main" Requires="p159">
+  <mc:AlternateContent xmlns:mc="http://schemas.openxmlformats.org/markup-compatibility/2006" xmlns:p159="http://schemas.microsoft.com/office/powerpoint/2015/09/main">
+    <mc:Choice Requires="p159">
       <p:transition xmlns:p14="http://schemas.microsoft.com/office/powerpoint/2010/main" spd="slow" p14:dur="2000">
         <p159:morph option="byObject"/>
       </p:transition>
     </mc:Choice>
-    <mc:Fallback>
+    <mc:Fallback xmlns="">
       <p:transition spd="slow">
         <p:fade/>
       </p:transition>
@@ -2407,7 +2412,7 @@
           <a:p>
             <a:fld id="{E0703A55-4804-C745-AE9A-57701EF14D3E}" type="datetimeFigureOut">
               <a:rPr lang="en-US" smtClean="0"/>
-              <a:t>6/14/23</a:t>
+              <a:t>6/15/23</a:t>
             </a:fld>
             <a:endParaRPr lang="en-US"/>
           </a:p>
@@ -2465,13 +2470,13 @@
   <p:clrMapOvr>
     <a:masterClrMapping/>
   </p:clrMapOvr>
-  <mc:AlternateContent xmlns:mc="http://schemas.openxmlformats.org/markup-compatibility/2006">
-    <mc:Choice xmlns:p159="http://schemas.microsoft.com/office/powerpoint/2015/09/main" Requires="p159">
+  <mc:AlternateContent xmlns:mc="http://schemas.openxmlformats.org/markup-compatibility/2006" xmlns:p159="http://schemas.microsoft.com/office/powerpoint/2015/09/main">
+    <mc:Choice Requires="p159">
       <p:transition xmlns:p14="http://schemas.microsoft.com/office/powerpoint/2010/main" spd="slow" p14:dur="2000">
         <p159:morph option="byObject"/>
       </p:transition>
     </mc:Choice>
-    <mc:Fallback>
+    <mc:Fallback xmlns="">
       <p:transition spd="slow">
         <p:fade/>
       </p:transition>
@@ -2776,7 +2781,7 @@
           <a:p>
             <a:fld id="{E0703A55-4804-C745-AE9A-57701EF14D3E}" type="datetimeFigureOut">
               <a:rPr lang="en-US" smtClean="0"/>
-              <a:t>6/14/23</a:t>
+              <a:t>6/15/23</a:t>
             </a:fld>
             <a:endParaRPr lang="en-US"/>
           </a:p>
@@ -2849,13 +2854,13 @@
   <p:clrMapOvr>
     <a:overrideClrMapping bg1="dk1" tx1="lt1" bg2="dk2" tx2="lt2" accent1="accent1" accent2="accent2" accent3="accent3" accent4="accent4" accent5="accent5" accent6="accent6" hlink="hlink" folHlink="folHlink"/>
   </p:clrMapOvr>
-  <mc:AlternateContent xmlns:mc="http://schemas.openxmlformats.org/markup-compatibility/2006">
-    <mc:Choice xmlns:p159="http://schemas.microsoft.com/office/powerpoint/2015/09/main" Requires="p159">
+  <mc:AlternateContent xmlns:mc="http://schemas.openxmlformats.org/markup-compatibility/2006" xmlns:p159="http://schemas.microsoft.com/office/powerpoint/2015/09/main">
+    <mc:Choice Requires="p159">
       <p:transition xmlns:p14="http://schemas.microsoft.com/office/powerpoint/2010/main" spd="slow" p14:dur="2000">
         <p159:morph option="byObject"/>
       </p:transition>
     </mc:Choice>
-    <mc:Fallback>
+    <mc:Fallback xmlns="">
       <p:transition spd="slow">
         <p:fade/>
       </p:transition>
@@ -3145,7 +3150,7 @@
           <a:p>
             <a:fld id="{E0703A55-4804-C745-AE9A-57701EF14D3E}" type="datetimeFigureOut">
               <a:rPr lang="en-US" smtClean="0"/>
-              <a:t>6/14/23</a:t>
+              <a:t>6/15/23</a:t>
             </a:fld>
             <a:endParaRPr lang="en-US"/>
           </a:p>
@@ -3218,13 +3223,13 @@
   <p:clrMapOvr>
     <a:overrideClrMapping bg1="dk1" tx1="lt1" bg2="dk2" tx2="lt2" accent1="accent1" accent2="accent2" accent3="accent3" accent4="accent4" accent5="accent5" accent6="accent6" hlink="hlink" folHlink="folHlink"/>
   </p:clrMapOvr>
-  <mc:AlternateContent xmlns:mc="http://schemas.openxmlformats.org/markup-compatibility/2006">
-    <mc:Choice xmlns:p159="http://schemas.microsoft.com/office/powerpoint/2015/09/main" Requires="p159">
+  <mc:AlternateContent xmlns:mc="http://schemas.openxmlformats.org/markup-compatibility/2006" xmlns:p159="http://schemas.microsoft.com/office/powerpoint/2015/09/main">
+    <mc:Choice Requires="p159">
       <p:transition xmlns:p14="http://schemas.microsoft.com/office/powerpoint/2010/main" spd="slow" p14:dur="2000">
         <p159:morph option="byObject"/>
       </p:transition>
     </mc:Choice>
-    <mc:Fallback>
+    <mc:Fallback xmlns="">
       <p:transition spd="slow">
         <p:fade/>
       </p:transition>
@@ -3404,7 +3409,7 @@
           <a:p>
             <a:fld id="{E0703A55-4804-C745-AE9A-57701EF14D3E}" type="datetimeFigureOut">
               <a:rPr lang="en-US" smtClean="0"/>
-              <a:t>6/14/23</a:t>
+              <a:t>6/15/23</a:t>
             </a:fld>
             <a:endParaRPr lang="en-US"/>
           </a:p>
@@ -3514,13 +3519,13 @@
     <p:sldLayoutId id="2147483706" r:id="rId10"/>
     <p:sldLayoutId id="2147483707" r:id="rId11"/>
   </p:sldLayoutIdLst>
-  <mc:AlternateContent xmlns:mc="http://schemas.openxmlformats.org/markup-compatibility/2006">
-    <mc:Choice xmlns:p159="http://schemas.microsoft.com/office/powerpoint/2015/09/main" Requires="p159">
+  <mc:AlternateContent xmlns:mc="http://schemas.openxmlformats.org/markup-compatibility/2006" xmlns:p159="http://schemas.microsoft.com/office/powerpoint/2015/09/main">
+    <mc:Choice Requires="p159">
       <p:transition xmlns:p14="http://schemas.microsoft.com/office/powerpoint/2010/main" spd="slow" p14:dur="2000">
         <p159:morph option="byObject"/>
       </p:transition>
     </mc:Choice>
-    <mc:Fallback>
+    <mc:Fallback xmlns="">
       <p:transition spd="slow">
         <p:fade/>
       </p:transition>
@@ -4067,13 +4072,13 @@
   <p:clrMapOvr>
     <a:masterClrMapping/>
   </p:clrMapOvr>
-  <mc:AlternateContent xmlns:mc="http://schemas.openxmlformats.org/markup-compatibility/2006">
-    <mc:Choice xmlns:p159="http://schemas.microsoft.com/office/powerpoint/2015/09/main" Requires="p159">
+  <mc:AlternateContent xmlns:mc="http://schemas.openxmlformats.org/markup-compatibility/2006" xmlns:p159="http://schemas.microsoft.com/office/powerpoint/2015/09/main">
+    <mc:Choice Requires="p159">
       <p:transition xmlns:p14="http://schemas.microsoft.com/office/powerpoint/2010/main" spd="slow" p14:dur="2000">
         <p159:morph option="byObject"/>
       </p:transition>
     </mc:Choice>
-    <mc:Fallback>
+    <mc:Fallback xmlns="">
       <p:transition spd="slow">
         <p:fade/>
       </p:transition>
@@ -4285,13 +4290,13 @@
   <p:clrMapOvr>
     <a:masterClrMapping/>
   </p:clrMapOvr>
-  <mc:AlternateContent xmlns:mc="http://schemas.openxmlformats.org/markup-compatibility/2006">
-    <mc:Choice xmlns:p159="http://schemas.microsoft.com/office/powerpoint/2015/09/main" Requires="p159">
+  <mc:AlternateContent xmlns:mc="http://schemas.openxmlformats.org/markup-compatibility/2006" xmlns:p159="http://schemas.microsoft.com/office/powerpoint/2015/09/main">
+    <mc:Choice Requires="p159">
       <p:transition xmlns:p14="http://schemas.microsoft.com/office/powerpoint/2010/main" spd="slow" p14:dur="2000">
         <p159:morph option="byObject"/>
       </p:transition>
     </mc:Choice>
-    <mc:Fallback>
+    <mc:Fallback xmlns="">
       <p:transition spd="slow">
         <p:fade/>
       </p:transition>
@@ -4580,13 +4585,13 @@
   <p:clrMapOvr>
     <a:masterClrMapping/>
   </p:clrMapOvr>
-  <mc:AlternateContent xmlns:mc="http://schemas.openxmlformats.org/markup-compatibility/2006">
-    <mc:Choice xmlns:p159="http://schemas.microsoft.com/office/powerpoint/2015/09/main" Requires="p159">
+  <mc:AlternateContent xmlns:mc="http://schemas.openxmlformats.org/markup-compatibility/2006" xmlns:p159="http://schemas.microsoft.com/office/powerpoint/2015/09/main">
+    <mc:Choice Requires="p159">
       <p:transition xmlns:p14="http://schemas.microsoft.com/office/powerpoint/2010/main" spd="slow" p14:dur="2000">
         <p159:morph option="byObject"/>
       </p:transition>
     </mc:Choice>
-    <mc:Fallback>
+    <mc:Fallback xmlns="">
       <p:transition spd="slow">
         <p:fade/>
       </p:transition>
@@ -4773,13 +4778,13 @@
   <p:clrMapOvr>
     <a:masterClrMapping/>
   </p:clrMapOvr>
-  <mc:AlternateContent xmlns:mc="http://schemas.openxmlformats.org/markup-compatibility/2006">
-    <mc:Choice xmlns:p159="http://schemas.microsoft.com/office/powerpoint/2015/09/main" Requires="p159">
+  <mc:AlternateContent xmlns:mc="http://schemas.openxmlformats.org/markup-compatibility/2006" xmlns:p159="http://schemas.microsoft.com/office/powerpoint/2015/09/main">
+    <mc:Choice Requires="p159">
       <p:transition xmlns:p14="http://schemas.microsoft.com/office/powerpoint/2010/main" spd="slow" p14:dur="2000">
         <p159:morph option="byObject"/>
       </p:transition>
     </mc:Choice>
-    <mc:Fallback>
+    <mc:Fallback xmlns="">
       <p:transition spd="slow">
         <p:fade/>
       </p:transition>
@@ -5082,13 +5087,13 @@
   <p:clrMapOvr>
     <a:masterClrMapping/>
   </p:clrMapOvr>
-  <mc:AlternateContent xmlns:mc="http://schemas.openxmlformats.org/markup-compatibility/2006">
-    <mc:Choice xmlns:p159="http://schemas.microsoft.com/office/powerpoint/2015/09/main" Requires="p159">
+  <mc:AlternateContent xmlns:mc="http://schemas.openxmlformats.org/markup-compatibility/2006" xmlns:p159="http://schemas.microsoft.com/office/powerpoint/2015/09/main">
+    <mc:Choice Requires="p159">
       <p:transition xmlns:p14="http://schemas.microsoft.com/office/powerpoint/2010/main" spd="slow" p14:dur="2000">
         <p159:morph option="byObject"/>
       </p:transition>
     </mc:Choice>
-    <mc:Fallback>
+    <mc:Fallback xmlns="">
       <p:transition spd="slow">
         <p:fade/>
       </p:transition>
@@ -5166,41 +5171,6 @@
       </p:sp>
       <p:pic>
         <p:nvPicPr>
-          <p:cNvPr id="5" name="Picture 4" descr="A map with blue pins&#10;&#10;Description automatically generated with low confidence">
-            <a:extLst>
-              <a:ext uri="{FF2B5EF4-FFF2-40B4-BE49-F238E27FC236}">
-                <a16:creationId xmlns:a16="http://schemas.microsoft.com/office/drawing/2014/main" id="{1C48A638-1496-544B-87B5-9F943C65A9E5}"/>
-              </a:ext>
-            </a:extLst>
-          </p:cNvPr>
-          <p:cNvPicPr>
-            <a:picLocks noChangeAspect="1"/>
-          </p:cNvPicPr>
-          <p:nvPr/>
-        </p:nvPicPr>
-        <p:blipFill rotWithShape="1">
-          <a:blip r:embed="rId2"/>
-          <a:srcRect l="15710" r="9443" b="-1"/>
-          <a:stretch/>
-        </p:blipFill>
-        <p:spPr>
-          <a:xfrm>
-            <a:off x="960121" y="964692"/>
-            <a:ext cx="3707652" cy="2303442"/>
-          </a:xfrm>
-          <a:prstGeom prst="rect">
-            <a:avLst/>
-          </a:prstGeom>
-          <a:ln w="31750" cap="sq">
-            <a:solidFill>
-              <a:srgbClr val="FFFFFF"/>
-            </a:solidFill>
-            <a:miter lim="800000"/>
-          </a:ln>
-        </p:spPr>
-      </p:pic>
-      <p:pic>
-        <p:nvPicPr>
           <p:cNvPr id="6" name="Picture 5">
             <a:extLst>
               <a:ext uri="{FF2B5EF4-FFF2-40B4-BE49-F238E27FC236}">
@@ -5214,7 +5184,7 @@
           <p:nvPr/>
         </p:nvPicPr>
         <p:blipFill rotWithShape="1">
-          <a:blip r:embed="rId3"/>
+          <a:blip r:embed="rId2"/>
           <a:srcRect r="32944" b="4"/>
           <a:stretch/>
         </p:blipFill>
@@ -5310,6 +5280,36 @@
           </a:p>
         </p:txBody>
       </p:sp>
+      <p:pic>
+        <p:nvPicPr>
+          <p:cNvPr id="4" name="Picture 3">
+            <a:extLst>
+              <a:ext uri="{FF2B5EF4-FFF2-40B4-BE49-F238E27FC236}">
+                <a16:creationId xmlns:a16="http://schemas.microsoft.com/office/drawing/2014/main" id="{8FC09AFA-A8F7-2843-A94E-39F08F8496DE}"/>
+              </a:ext>
+            </a:extLst>
+          </p:cNvPr>
+          <p:cNvPicPr>
+            <a:picLocks noChangeAspect="1"/>
+          </p:cNvPicPr>
+          <p:nvPr/>
+        </p:nvPicPr>
+        <p:blipFill>
+          <a:blip r:embed="rId3"/>
+          <a:stretch>
+            <a:fillRect/>
+          </a:stretch>
+        </p:blipFill>
+        <p:spPr>
+          <a:xfrm>
+            <a:off x="550570" y="1132797"/>
+            <a:ext cx="4117202" cy="2041229"/>
+          </a:xfrm>
+          <a:prstGeom prst="rect">
+            <a:avLst/>
+          </a:prstGeom>
+        </p:spPr>
+      </p:pic>
     </p:spTree>
     <p:extLst>
       <p:ext uri="{BB962C8B-B14F-4D97-AF65-F5344CB8AC3E}">
@@ -5320,13 +5320,13 @@
   <p:clrMapOvr>
     <a:masterClrMapping/>
   </p:clrMapOvr>
-  <mc:AlternateContent xmlns:mc="http://schemas.openxmlformats.org/markup-compatibility/2006">
-    <mc:Choice xmlns:p159="http://schemas.microsoft.com/office/powerpoint/2015/09/main" Requires="p159">
+  <mc:AlternateContent xmlns:mc="http://schemas.openxmlformats.org/markup-compatibility/2006" xmlns:p159="http://schemas.microsoft.com/office/powerpoint/2015/09/main">
+    <mc:Choice Requires="p159">
       <p:transition xmlns:p14="http://schemas.microsoft.com/office/powerpoint/2010/main" spd="slow" p14:dur="2000">
         <p159:morph option="byObject"/>
       </p:transition>
     </mc:Choice>
-    <mc:Fallback>
+    <mc:Fallback xmlns="">
       <p:transition spd="slow">
         <p:fade/>
       </p:transition>
@@ -5606,13 +5606,13 @@
   <p:clrMapOvr>
     <a:masterClrMapping/>
   </p:clrMapOvr>
-  <mc:AlternateContent xmlns:mc="http://schemas.openxmlformats.org/markup-compatibility/2006">
-    <mc:Choice xmlns:p159="http://schemas.microsoft.com/office/powerpoint/2015/09/main" Requires="p159">
+  <mc:AlternateContent xmlns:mc="http://schemas.openxmlformats.org/markup-compatibility/2006" xmlns:p159="http://schemas.microsoft.com/office/powerpoint/2015/09/main">
+    <mc:Choice Requires="p159">
       <p:transition xmlns:p14="http://schemas.microsoft.com/office/powerpoint/2010/main" spd="slow" p14:dur="2000">
         <p159:morph option="byObject"/>
       </p:transition>
     </mc:Choice>
-    <mc:Fallback>
+    <mc:Fallback xmlns="">
       <p:transition spd="slow">
         <p:fade/>
       </p:transition>
@@ -5698,13 +5698,13 @@
   <p:clrMapOvr>
     <a:masterClrMapping/>
   </p:clrMapOvr>
-  <mc:AlternateContent xmlns:mc="http://schemas.openxmlformats.org/markup-compatibility/2006">
-    <mc:Choice xmlns:p159="http://schemas.microsoft.com/office/powerpoint/2015/09/main" Requires="p159">
+  <mc:AlternateContent xmlns:mc="http://schemas.openxmlformats.org/markup-compatibility/2006" xmlns:p159="http://schemas.microsoft.com/office/powerpoint/2015/09/main">
+    <mc:Choice Requires="p159">
       <p:transition xmlns:p14="http://schemas.microsoft.com/office/powerpoint/2010/main" spd="slow" p14:dur="2000">
         <p159:morph option="byObject"/>
       </p:transition>
     </mc:Choice>
-    <mc:Fallback>
+    <mc:Fallback xmlns="">
       <p:transition spd="slow">
         <p:fade/>
       </p:transition>

--- a/BestBuy.pptx
+++ b/BestBuy.pptx
@@ -5169,12 +5169,88 @@
           </a:p>
         </p:txBody>
       </p:sp>
+      <p:sp>
+        <p:nvSpPr>
+          <p:cNvPr id="3" name="Content Placeholder 2">
+            <a:extLst>
+              <a:ext uri="{FF2B5EF4-FFF2-40B4-BE49-F238E27FC236}">
+                <a16:creationId xmlns:a16="http://schemas.microsoft.com/office/drawing/2014/main" id="{8245F57E-BFB7-6846-83F4-6849BAF07F30}"/>
+              </a:ext>
+            </a:extLst>
+          </p:cNvPr>
+          <p:cNvSpPr>
+            <a:spLocks noGrp="1"/>
+          </p:cNvSpPr>
+          <p:nvPr>
+            <p:ph idx="1"/>
+          </p:nvPr>
+        </p:nvSpPr>
+        <p:spPr>
+          <a:xfrm>
+            <a:off x="5089646" y="2475145"/>
+            <a:ext cx="6142233" cy="3409259"/>
+          </a:xfrm>
+        </p:spPr>
+        <p:txBody>
+          <a:bodyPr>
+            <a:normAutofit/>
+          </a:bodyPr>
+          <a:lstStyle/>
+          <a:p>
+            <a:r>
+              <a:rPr lang="en-US" dirty="0">
+                <a:solidFill>
+                  <a:schemeClr val="bg1"/>
+                </a:solidFill>
+              </a:rPr>
+              <a:t>Used Plotly, to visualize data into graphs</a:t>
+            </a:r>
+          </a:p>
+          <a:p>
+            <a:pPr lvl="1"/>
+            <a:r>
+              <a:rPr lang="en-US" dirty="0">
+                <a:solidFill>
+                  <a:schemeClr val="bg1"/>
+                </a:solidFill>
+              </a:rPr>
+              <a:t>Used line graph, marker to depict the sales by brand.</a:t>
+            </a:r>
+          </a:p>
+          <a:p>
+            <a:r>
+              <a:rPr lang="en-US" dirty="0">
+                <a:solidFill>
+                  <a:schemeClr val="bg1"/>
+                </a:solidFill>
+              </a:rPr>
+              <a:t>Used plotly table to visual the entire data set, that can be filtered based on the desired information </a:t>
+            </a:r>
+          </a:p>
+          <a:p>
+            <a:r>
+              <a:rPr lang="en-US" dirty="0">
+                <a:solidFill>
+                  <a:schemeClr val="bg1"/>
+                </a:solidFill>
+              </a:rPr>
+              <a:t>Created a leaflet map based on best buy location</a:t>
+            </a:r>
+          </a:p>
+          <a:p>
+            <a:pPr marL="228600" lvl="1" indent="0">
+              <a:buNone/>
+            </a:pPr>
+            <a:endParaRPr lang="en-US" dirty="0"/>
+          </a:p>
+        </p:txBody>
+      </p:sp>
       <p:pic>
         <p:nvPicPr>
-          <p:cNvPr id="6" name="Picture 5">
+          <p:cNvPr id="4" name="Picture 3">
             <a:extLst>
               <a:ext uri="{FF2B5EF4-FFF2-40B4-BE49-F238E27FC236}">
-                <a16:creationId xmlns:a16="http://schemas.microsoft.com/office/drawing/2014/main" id="{BE0A786B-0381-4C4D-BB40-E9416A05CC7A}"/>
+                <a16:creationId xmlns:a16="http://schemas.microsoft.com/office/drawing/2014/main" id="{8FC09AFA-A8F7-2843-A94E-39F08F8496DE}"/>
               </a:ext>
             </a:extLst>
           </p:cNvPr>
@@ -5183,109 +5259,28 @@
           </p:cNvPicPr>
           <p:nvPr/>
         </p:nvPicPr>
-        <p:blipFill rotWithShape="1">
+        <p:blipFill>
           <a:blip r:embed="rId2"/>
-          <a:srcRect r="32944" b="4"/>
-          <a:stretch/>
+          <a:stretch>
+            <a:fillRect/>
+          </a:stretch>
         </p:blipFill>
         <p:spPr>
           <a:xfrm>
-            <a:off x="960120" y="3589868"/>
-            <a:ext cx="3707652" cy="2294537"/>
+            <a:off x="550570" y="1132797"/>
+            <a:ext cx="4117202" cy="2041229"/>
           </a:xfrm>
           <a:prstGeom prst="rect">
             <a:avLst/>
           </a:prstGeom>
-          <a:ln w="31750" cap="sq">
-            <a:solidFill>
-              <a:srgbClr val="FFFFFF"/>
-            </a:solidFill>
-            <a:miter lim="800000"/>
-          </a:ln>
         </p:spPr>
       </p:pic>
-      <p:sp>
-        <p:nvSpPr>
-          <p:cNvPr id="3" name="Content Placeholder 2">
+      <p:pic>
+        <p:nvPicPr>
+          <p:cNvPr id="7" name="Picture 6">
             <a:extLst>
               <a:ext uri="{FF2B5EF4-FFF2-40B4-BE49-F238E27FC236}">
-                <a16:creationId xmlns:a16="http://schemas.microsoft.com/office/drawing/2014/main" id="{8245F57E-BFB7-6846-83F4-6849BAF07F30}"/>
-              </a:ext>
-            </a:extLst>
-          </p:cNvPr>
-          <p:cNvSpPr>
-            <a:spLocks noGrp="1"/>
-          </p:cNvSpPr>
-          <p:nvPr>
-            <p:ph idx="1"/>
-          </p:nvPr>
-        </p:nvSpPr>
-        <p:spPr>
-          <a:xfrm>
-            <a:off x="5089646" y="2475145"/>
-            <a:ext cx="6142233" cy="3409259"/>
-          </a:xfrm>
-        </p:spPr>
-        <p:txBody>
-          <a:bodyPr>
-            <a:normAutofit/>
-          </a:bodyPr>
-          <a:lstStyle/>
-          <a:p>
-            <a:r>
-              <a:rPr lang="en-US" dirty="0">
-                <a:solidFill>
-                  <a:schemeClr val="bg1"/>
-                </a:solidFill>
-              </a:rPr>
-              <a:t>Used Plotly, to visualize data into graphs</a:t>
-            </a:r>
-          </a:p>
-          <a:p>
-            <a:pPr lvl="1"/>
-            <a:r>
-              <a:rPr lang="en-US" dirty="0">
-                <a:solidFill>
-                  <a:schemeClr val="bg1"/>
-                </a:solidFill>
-              </a:rPr>
-              <a:t>Used line graph, marker to depict the sales by brand.</a:t>
-            </a:r>
-          </a:p>
-          <a:p>
-            <a:r>
-              <a:rPr lang="en-US" dirty="0">
-                <a:solidFill>
-                  <a:schemeClr val="bg1"/>
-                </a:solidFill>
-              </a:rPr>
-              <a:t>Used plotly table to visual the entire data set, that can be filtered based on the desired information </a:t>
-            </a:r>
-          </a:p>
-          <a:p>
-            <a:r>
-              <a:rPr lang="en-US" dirty="0">
-                <a:solidFill>
-                  <a:schemeClr val="bg1"/>
-                </a:solidFill>
-              </a:rPr>
-              <a:t>Created a leaflet map based on best buy location</a:t>
-            </a:r>
-          </a:p>
-          <a:p>
-            <a:pPr marL="228600" lvl="1" indent="0">
-              <a:buNone/>
-            </a:pPr>
-            <a:endParaRPr lang="en-US" dirty="0"/>
-          </a:p>
-        </p:txBody>
-      </p:sp>
-      <p:pic>
-        <p:nvPicPr>
-          <p:cNvPr id="4" name="Picture 3">
-            <a:extLst>
-              <a:ext uri="{FF2B5EF4-FFF2-40B4-BE49-F238E27FC236}">
-                <a16:creationId xmlns:a16="http://schemas.microsoft.com/office/drawing/2014/main" id="{8FC09AFA-A8F7-2843-A94E-39F08F8496DE}"/>
+                <a16:creationId xmlns:a16="http://schemas.microsoft.com/office/drawing/2014/main" id="{7EF38057-8534-9445-9BA4-928A031428E3}"/>
               </a:ext>
             </a:extLst>
           </p:cNvPr>
@@ -5302,8 +5297,8 @@
         </p:blipFill>
         <p:spPr>
           <a:xfrm>
-            <a:off x="550570" y="1132797"/>
-            <a:ext cx="4117202" cy="2041229"/>
+            <a:off x="550570" y="3603379"/>
+            <a:ext cx="4117202" cy="2121824"/>
           </a:xfrm>
           <a:prstGeom prst="rect">
             <a:avLst/>
@@ -5419,13 +5414,20 @@
         </p:spPr>
         <p:txBody>
           <a:bodyPr>
-            <a:normAutofit/>
+            <a:normAutofit fontScale="92500" lnSpcReduction="20000"/>
           </a:bodyPr>
           <a:lstStyle/>
           <a:p>
             <a:r>
               <a:rPr lang="en-US" dirty="0"/>
               <a:t>Based on the  data extracted it can be analyzed that TCL series6 has the highest sale price, while RCA 32 has the lowest sale price.</a:t>
+            </a:r>
+          </a:p>
+          <a:p>
+            <a:pPr lvl="1"/>
+            <a:r>
+              <a:rPr lang="en-US" dirty="0"/>
+              <a:t>This is based on the average sale calculated by original price-discount price divided by total TV count</a:t>
             </a:r>
           </a:p>
           <a:p>
@@ -5568,10 +5570,10 @@
       </p:sp>
       <p:pic>
         <p:nvPicPr>
-          <p:cNvPr id="4" name="Picture 3">
+          <p:cNvPr id="5" name="Picture 4">
             <a:extLst>
               <a:ext uri="{FF2B5EF4-FFF2-40B4-BE49-F238E27FC236}">
-                <a16:creationId xmlns:a16="http://schemas.microsoft.com/office/drawing/2014/main" id="{723BE544-A54D-B54B-9FEA-35DBFDDCC8C3}"/>
+                <a16:creationId xmlns:a16="http://schemas.microsoft.com/office/drawing/2014/main" id="{29A38A1C-DCA7-B742-8ED5-EF22C0666404}"/>
               </a:ext>
             </a:extLst>
           </p:cNvPr>
@@ -5588,8 +5590,8 @@
         </p:blipFill>
         <p:spPr>
           <a:xfrm>
-            <a:off x="4823366" y="2039666"/>
-            <a:ext cx="6227064" cy="2786609"/>
+            <a:off x="4823366" y="2045208"/>
+            <a:ext cx="6227064" cy="2767584"/>
           </a:xfrm>
           <a:prstGeom prst="rect">
             <a:avLst/>

--- a/BestBuy.pptx
+++ b/BestBuy.pptx
@@ -5414,7 +5414,7 @@
         </p:spPr>
         <p:txBody>
           <a:bodyPr>
-            <a:normAutofit fontScale="92500" lnSpcReduction="20000"/>
+            <a:normAutofit fontScale="85000" lnSpcReduction="20000"/>
           </a:bodyPr>
           <a:lstStyle/>
           <a:p>
@@ -5433,8 +5433,13 @@
           <a:p>
             <a:r>
               <a:rPr lang="en-US" dirty="0"/>
-              <a:t>We are also able to see a fairly even distribution of best buy stores around the Toronto and GTA region.</a:t>
-            </a:r>
+              <a:t>We are also able to see a fairly even distribution of best buy stores around the Toronto and GTA region., confirming the need for electronics specifically TV is high enough to warrant the </a:t>
+            </a:r>
+            <a:r>
+              <a:rPr lang="en-US"/>
+              <a:t>store locations.</a:t>
+            </a:r>
+            <a:endParaRPr lang="en-US" dirty="0"/>
           </a:p>
           <a:p>
             <a:endParaRPr lang="en-US" dirty="0"/>
